--- a/Documents/Requirements/Job seeker Profiles Analysis.pptx
+++ b/Documents/Requirements/Job seeker Profiles Analysis.pptx
@@ -305,7 +305,7 @@
           <a:p>
             <a:fld id="{EE48C2E7-87FF-4DE0-A763-616CBC356B37}" type="datetimeFigureOut">
               <a:rPr lang="en-US" smtClean="0"/>
-              <a:t>8/23/2011</a:t>
+              <a:t>8/26/2011</a:t>
             </a:fld>
             <a:endParaRPr lang="en-US"/>
           </a:p>
@@ -505,7 +505,7 @@
           <a:p>
             <a:fld id="{EE48C2E7-87FF-4DE0-A763-616CBC356B37}" type="datetimeFigureOut">
               <a:rPr lang="en-US" smtClean="0"/>
-              <a:t>8/23/2011</a:t>
+              <a:t>8/26/2011</a:t>
             </a:fld>
             <a:endParaRPr lang="en-US"/>
           </a:p>
@@ -680,7 +680,7 @@
           <a:p>
             <a:fld id="{EE48C2E7-87FF-4DE0-A763-616CBC356B37}" type="datetimeFigureOut">
               <a:rPr lang="en-US" smtClean="0"/>
-              <a:t>8/23/2011</a:t>
+              <a:t>8/26/2011</a:t>
             </a:fld>
             <a:endParaRPr lang="en-US"/>
           </a:p>
@@ -845,7 +845,7 @@
           <a:p>
             <a:fld id="{EE48C2E7-87FF-4DE0-A763-616CBC356B37}" type="datetimeFigureOut">
               <a:rPr lang="en-US" smtClean="0"/>
-              <a:t>8/23/2011</a:t>
+              <a:t>8/26/2011</a:t>
             </a:fld>
             <a:endParaRPr lang="en-US"/>
           </a:p>
@@ -1093,7 +1093,7 @@
           <a:p>
             <a:fld id="{EE48C2E7-87FF-4DE0-A763-616CBC356B37}" type="datetimeFigureOut">
               <a:rPr lang="en-US" smtClean="0"/>
-              <a:t>8/23/2011</a:t>
+              <a:t>8/26/2011</a:t>
             </a:fld>
             <a:endParaRPr lang="en-US"/>
           </a:p>
@@ -1411,7 +1411,7 @@
           <a:p>
             <a:fld id="{EE48C2E7-87FF-4DE0-A763-616CBC356B37}" type="datetimeFigureOut">
               <a:rPr lang="en-US" smtClean="0"/>
-              <a:t>8/23/2011</a:t>
+              <a:t>8/26/2011</a:t>
             </a:fld>
             <a:endParaRPr lang="en-US"/>
           </a:p>
@@ -1877,7 +1877,7 @@
           <a:p>
             <a:fld id="{EE48C2E7-87FF-4DE0-A763-616CBC356B37}" type="datetimeFigureOut">
               <a:rPr lang="en-US" smtClean="0"/>
-              <a:t>8/23/2011</a:t>
+              <a:t>8/26/2011</a:t>
             </a:fld>
             <a:endParaRPr lang="en-US"/>
           </a:p>
@@ -2025,7 +2025,7 @@
           <a:p>
             <a:fld id="{EE48C2E7-87FF-4DE0-A763-616CBC356B37}" type="datetimeFigureOut">
               <a:rPr lang="en-US" smtClean="0"/>
-              <a:t>8/23/2011</a:t>
+              <a:t>8/26/2011</a:t>
             </a:fld>
             <a:endParaRPr lang="en-US"/>
           </a:p>
@@ -2115,7 +2115,7 @@
           <a:p>
             <a:fld id="{EE48C2E7-87FF-4DE0-A763-616CBC356B37}" type="datetimeFigureOut">
               <a:rPr lang="en-US" smtClean="0"/>
-              <a:t>8/23/2011</a:t>
+              <a:t>8/26/2011</a:t>
             </a:fld>
             <a:endParaRPr lang="en-US"/>
           </a:p>
@@ -2389,7 +2389,7 @@
           <a:p>
             <a:fld id="{EE48C2E7-87FF-4DE0-A763-616CBC356B37}" type="datetimeFigureOut">
               <a:rPr lang="en-US" smtClean="0"/>
-              <a:t>8/23/2011</a:t>
+              <a:t>8/26/2011</a:t>
             </a:fld>
             <a:endParaRPr lang="en-US"/>
           </a:p>
@@ -2694,7 +2694,7 @@
           <a:p>
             <a:fld id="{EE48C2E7-87FF-4DE0-A763-616CBC356B37}" type="datetimeFigureOut">
               <a:rPr lang="en-US" smtClean="0"/>
-              <a:t>8/23/2011</a:t>
+              <a:t>8/26/2011</a:t>
             </a:fld>
             <a:endParaRPr lang="en-US"/>
           </a:p>
@@ -2992,7 +2992,7 @@
           <a:p>
             <a:fld id="{EE48C2E7-87FF-4DE0-A763-616CBC356B37}" type="datetimeFigureOut">
               <a:rPr lang="en-US" smtClean="0"/>
-              <a:t>8/23/2011</a:t>
+              <a:t>8/26/2011</a:t>
             </a:fld>
             <a:endParaRPr lang="en-US"/>
           </a:p>
@@ -3833,7 +3833,7 @@
           <p:nvPr>
             <p:extLst>
               <p:ext uri="{D42A27DB-BD31-4B8C-83A1-F6EECF244321}">
-                <p14:modId xmlns:p14="http://schemas.microsoft.com/office/powerpoint/2010/main" val="2718568196"/>
+                <p14:modId xmlns:p14="http://schemas.microsoft.com/office/powerpoint/2010/main" val="3493191217"/>
               </p:ext>
             </p:extLst>
           </p:nvPr>
@@ -3859,7 +3859,15 @@
                     <a:p>
                       <a:r>
                         <a:rPr lang="en-US" sz="1600" dirty="0" smtClean="0"/>
-                        <a:t>Contact info</a:t>
+                        <a:t>Contact </a:t>
+                      </a:r>
+                      <a:r>
+                        <a:rPr lang="en-US" sz="1600" dirty="0" smtClean="0"/>
+                        <a:t>info.</a:t>
+                      </a:r>
+                      <a:r>
+                        <a:rPr lang="en-US" sz="1600" baseline="0" dirty="0" smtClean="0"/>
+                        <a:t> (s)</a:t>
                       </a:r>
                       <a:endParaRPr lang="en-US" sz="1600" dirty="0"/>
                     </a:p>
@@ -3923,7 +3931,7 @@
                     <a:p>
                       <a:r>
                         <a:rPr lang="en-US" sz="1600" dirty="0" smtClean="0"/>
-                        <a:t>Email</a:t>
+                        <a:t>Emails</a:t>
                       </a:r>
                       <a:endParaRPr lang="en-US" sz="1600" dirty="0"/>
                     </a:p>
@@ -3939,7 +3947,7 @@
                     <a:p>
                       <a:r>
                         <a:rPr lang="en-US" sz="1600" dirty="0" smtClean="0"/>
-                        <a:t>Phone</a:t>
+                        <a:t>Phones</a:t>
                       </a:r>
                       <a:endParaRPr lang="en-US" sz="1600" dirty="0"/>
                     </a:p>
@@ -3959,7 +3967,11 @@
                       </a:r>
                       <a:r>
                         <a:rPr lang="en-US" sz="1600" baseline="0" dirty="0" smtClean="0"/>
-                        <a:t> for</a:t>
+                        <a:t> </a:t>
+                      </a:r>
+                      <a:r>
+                        <a:rPr lang="en-US" sz="1600" baseline="0" dirty="0" smtClean="0"/>
+                        <a:t>for (s)</a:t>
                       </a:r>
                       <a:endParaRPr lang="en-US" sz="1600" dirty="0"/>
                     </a:p>
@@ -3979,7 +3991,11 @@
                       </a:r>
                       <a:r>
                         <a:rPr lang="en-US" sz="1600" baseline="0" dirty="0" smtClean="0"/>
-                        <a:t> me by</a:t>
+                        <a:t> me </a:t>
+                      </a:r>
+                      <a:r>
+                        <a:rPr lang="en-US" sz="1600" baseline="0" dirty="0" smtClean="0"/>
+                        <a:t>by (s)</a:t>
                       </a:r>
                       <a:endParaRPr lang="en-US" sz="1600" dirty="0"/>
                     </a:p>
@@ -4487,7 +4503,7 @@
           <p:nvPr>
             <p:extLst>
               <p:ext uri="{D42A27DB-BD31-4B8C-83A1-F6EECF244321}">
-                <p14:modId xmlns:p14="http://schemas.microsoft.com/office/powerpoint/2010/main" val="436698346"/>
+                <p14:modId xmlns:p14="http://schemas.microsoft.com/office/powerpoint/2010/main" val="2595847561"/>
               </p:ext>
             </p:extLst>
           </p:nvPr>
@@ -4552,12 +4568,12 @@
                     <a:lstStyle/>
                     <a:p>
                       <a:r>
-                        <a:rPr lang="en-US" sz="1600" dirty="0" err="1" smtClean="0">
+                        <a:rPr lang="en-US" sz="1600" dirty="0" smtClean="0">
                           <a:solidFill>
                             <a:srgbClr val="FF0000"/>
                           </a:solidFill>
                         </a:rPr>
-                        <a:t>Oppotunities</a:t>
+                        <a:t>Opportunities</a:t>
                       </a:r>
                       <a:endParaRPr lang="en-US" sz="1600" dirty="0">
                         <a:solidFill>
@@ -4677,77 +4693,6 @@
                           </a:solidFill>
                         </a:rPr>
                         <a:t>Activities</a:t>
-                      </a:r>
-                      <a:endParaRPr lang="en-US" sz="1600" dirty="0">
-                        <a:solidFill>
-                          <a:srgbClr val="FF0000"/>
-                        </a:solidFill>
-                      </a:endParaRPr>
-                    </a:p>
-                  </a:txBody>
-                  <a:tcPr/>
-                </a:tc>
-              </a:tr>
-            </a:tbl>
-          </a:graphicData>
-        </a:graphic>
-      </p:graphicFrame>
-      <p:graphicFrame>
-        <p:nvGraphicFramePr>
-          <p:cNvPr id="11" name="Content Placeholder 3"/>
-          <p:cNvGraphicFramePr>
-            <a:graphicFrameLocks/>
-          </p:cNvGraphicFramePr>
-          <p:nvPr>
-            <p:extLst>
-              <p:ext uri="{D42A27DB-BD31-4B8C-83A1-F6EECF244321}">
-                <p14:modId xmlns:p14="http://schemas.microsoft.com/office/powerpoint/2010/main" val="2398936740"/>
-              </p:ext>
-            </p:extLst>
-          </p:nvPr>
-        </p:nvGraphicFramePr>
-        <p:xfrm>
-          <a:off x="2362200" y="5715000"/>
-          <a:ext cx="2216468" cy="741680"/>
-        </p:xfrm>
-        <a:graphic>
-          <a:graphicData uri="http://schemas.openxmlformats.org/drawingml/2006/table">
-            <a:tbl>
-              <a:tblPr firstRow="1" bandRow="1">
-                <a:tableStyleId>{B301B821-A1FF-4177-AEE7-76D212191A09}</a:tableStyleId>
-              </a:tblPr>
-              <a:tblGrid>
-                <a:gridCol w="2216468"/>
-              </a:tblGrid>
-              <a:tr h="370840">
-                <a:tc>
-                  <a:txBody>
-                    <a:bodyPr/>
-                    <a:lstStyle/>
-                    <a:p>
-                      <a:r>
-                        <a:rPr lang="en-US" sz="1600" dirty="0" smtClean="0"/>
-                        <a:t>Skills</a:t>
-                      </a:r>
-                      <a:endParaRPr lang="en-US" sz="1600" dirty="0"/>
-                    </a:p>
-                  </a:txBody>
-                  <a:tcPr/>
-                </a:tc>
-              </a:tr>
-              <a:tr h="370840">
-                <a:tc>
-                  <a:txBody>
-                    <a:bodyPr/>
-                    <a:lstStyle/>
-                    <a:p>
-                      <a:r>
-                        <a:rPr lang="en-US" sz="1600" dirty="0" smtClean="0">
-                          <a:solidFill>
-                            <a:srgbClr val="FF0000"/>
-                          </a:solidFill>
-                        </a:rPr>
-                        <a:t>Skills</a:t>
                       </a:r>
                       <a:endParaRPr lang="en-US" sz="1600" dirty="0">
                         <a:solidFill>
@@ -4962,6 +4907,155 @@
             <a:ext cx="381000" cy="762000"/>
           </a:xfrm>
           <a:prstGeom prst="downArrow">
+            <a:avLst/>
+          </a:prstGeom>
+        </p:spPr>
+        <p:style>
+          <a:lnRef idx="2">
+            <a:schemeClr val="accent1">
+              <a:shade val="50000"/>
+            </a:schemeClr>
+          </a:lnRef>
+          <a:fillRef idx="1">
+            <a:schemeClr val="accent1"/>
+          </a:fillRef>
+          <a:effectRef idx="0">
+            <a:schemeClr val="accent1"/>
+          </a:effectRef>
+          <a:fontRef idx="minor">
+            <a:schemeClr val="lt1"/>
+          </a:fontRef>
+        </p:style>
+        <p:txBody>
+          <a:bodyPr rtlCol="0" anchor="ctr"/>
+          <a:lstStyle/>
+          <a:p>
+            <a:pPr algn="ctr"/>
+            <a:endParaRPr lang="en-US"/>
+          </a:p>
+        </p:txBody>
+      </p:sp>
+      <p:graphicFrame>
+        <p:nvGraphicFramePr>
+          <p:cNvPr id="15" name="Content Placeholder 3"/>
+          <p:cNvGraphicFramePr>
+            <a:graphicFrameLocks/>
+          </p:cNvGraphicFramePr>
+          <p:nvPr>
+            <p:extLst>
+              <p:ext uri="{D42A27DB-BD31-4B8C-83A1-F6EECF244321}">
+                <p14:modId xmlns:p14="http://schemas.microsoft.com/office/powerpoint/2010/main" val="454905787"/>
+              </p:ext>
+            </p:extLst>
+          </p:nvPr>
+        </p:nvGraphicFramePr>
+        <p:xfrm>
+          <a:off x="2362200" y="5516880"/>
+          <a:ext cx="2216468" cy="1341120"/>
+        </p:xfrm>
+        <a:graphic>
+          <a:graphicData uri="http://schemas.openxmlformats.org/drawingml/2006/table">
+            <a:tbl>
+              <a:tblPr firstRow="1" bandRow="1">
+                <a:tableStyleId>{B301B821-A1FF-4177-AEE7-76D212191A09}</a:tableStyleId>
+              </a:tblPr>
+              <a:tblGrid>
+                <a:gridCol w="2216468"/>
+              </a:tblGrid>
+              <a:tr h="180340">
+                <a:tc>
+                  <a:txBody>
+                    <a:bodyPr/>
+                    <a:lstStyle/>
+                    <a:p>
+                      <a:r>
+                        <a:rPr lang="en-US" sz="1600" smtClean="0"/>
+                        <a:t>Abilities / Skills</a:t>
+                      </a:r>
+                      <a:endParaRPr lang="en-US" sz="1600" dirty="0"/>
+                    </a:p>
+                  </a:txBody>
+                  <a:tcPr/>
+                </a:tc>
+              </a:tr>
+              <a:tr h="180340">
+                <a:tc>
+                  <a:txBody>
+                    <a:bodyPr/>
+                    <a:lstStyle/>
+                    <a:p>
+                      <a:r>
+                        <a:rPr lang="en-US" sz="1600" dirty="0" smtClean="0">
+                          <a:solidFill>
+                            <a:srgbClr val="FF0000"/>
+                          </a:solidFill>
+                        </a:rPr>
+                        <a:t>Fields</a:t>
+                      </a:r>
+                      <a:endParaRPr lang="en-US" sz="1600" dirty="0">
+                        <a:solidFill>
+                          <a:srgbClr val="FF0000"/>
+                        </a:solidFill>
+                      </a:endParaRPr>
+                    </a:p>
+                  </a:txBody>
+                  <a:tcPr/>
+                </a:tc>
+              </a:tr>
+              <a:tr h="180340">
+                <a:tc>
+                  <a:txBody>
+                    <a:bodyPr/>
+                    <a:lstStyle/>
+                    <a:p>
+                      <a:r>
+                        <a:rPr lang="en-US" sz="1600" dirty="0" smtClean="0">
+                          <a:solidFill>
+                            <a:srgbClr val="FF0000"/>
+                          </a:solidFill>
+                        </a:rPr>
+                        <a:t>Details</a:t>
+                      </a:r>
+                    </a:p>
+                  </a:txBody>
+                  <a:tcPr/>
+                </a:tc>
+              </a:tr>
+              <a:tr h="180340">
+                <a:tc>
+                  <a:txBody>
+                    <a:bodyPr/>
+                    <a:lstStyle/>
+                    <a:p>
+                      <a:r>
+                        <a:rPr lang="en-US" sz="1600" dirty="0" smtClean="0">
+                          <a:solidFill>
+                            <a:srgbClr val="FF0000"/>
+                          </a:solidFill>
+                        </a:rPr>
+                        <a:t>Experiences</a:t>
+                      </a:r>
+                    </a:p>
+                  </a:txBody>
+                  <a:tcPr/>
+                </a:tc>
+              </a:tr>
+            </a:tbl>
+          </a:graphicData>
+        </a:graphic>
+      </p:graphicFrame>
+      <p:sp>
+        <p:nvSpPr>
+          <p:cNvPr id="3" name="Right Arrow 2"/>
+          <p:cNvSpPr/>
+          <p:nvPr/>
+        </p:nvSpPr>
+        <p:spPr>
+          <a:xfrm rot="10800000">
+            <a:off x="4495800" y="5829300"/>
+            <a:ext cx="1143000" cy="381000"/>
+          </a:xfrm>
+          <a:prstGeom prst="rightArrow">
             <a:avLst/>
           </a:prstGeom>
         </p:spPr>

--- a/Documents/Requirements/Job seeker Profiles Analysis.pptx
+++ b/Documents/Requirements/Job seeker Profiles Analysis.pptx
@@ -3710,7 +3710,11 @@
           <a:p>
             <a:r>
               <a:rPr lang="en-US" dirty="0" smtClean="0"/>
-              <a:t>Additional information</a:t>
+              <a:t>Contact </a:t>
+            </a:r>
+            <a:r>
+              <a:rPr lang="en-US" dirty="0" smtClean="0"/>
+              <a:t>information</a:t>
             </a:r>
           </a:p>
           <a:p>
@@ -3722,43 +3726,43 @@
           <a:p>
             <a:r>
               <a:rPr lang="en-US" dirty="0" smtClean="0"/>
-              <a:t>Work experience</a:t>
-            </a:r>
+              <a:t>Work </a:t>
+            </a:r>
+            <a:endParaRPr lang="en-US" dirty="0" smtClean="0"/>
           </a:p>
           <a:p>
             <a:r>
               <a:rPr lang="en-US" dirty="0" smtClean="0"/>
               <a:t>Education</a:t>
             </a:r>
+            <a:endParaRPr lang="en-US" dirty="0" smtClean="0"/>
           </a:p>
           <a:p>
             <a:r>
               <a:rPr lang="en-US" dirty="0" smtClean="0"/>
-              <a:t>Training</a:t>
+              <a:t>Experiences</a:t>
             </a:r>
           </a:p>
           <a:p>
             <a:r>
               <a:rPr lang="en-US" dirty="0" smtClean="0"/>
-              <a:t>Contact me for</a:t>
+              <a:t>Abilities / Skills</a:t>
+            </a:r>
+          </a:p>
+          <a:p>
+            <a:r>
+              <a:rPr lang="en-US" dirty="0"/>
+              <a:t>Job expectation</a:t>
             </a:r>
           </a:p>
           <a:p>
             <a:r>
               <a:rPr lang="en-US" dirty="0" smtClean="0"/>
-              <a:t>Picture</a:t>
-            </a:r>
-          </a:p>
-          <a:p>
+              <a:t>Recommend </a:t>
+            </a:r>
             <a:r>
               <a:rPr lang="en-US" dirty="0" smtClean="0"/>
-              <a:t>Job expectation</a:t>
-            </a:r>
-          </a:p>
-          <a:p>
-            <a:r>
-              <a:rPr lang="en-US" dirty="0" smtClean="0"/>
-              <a:t>Recommend actions</a:t>
+              <a:t>actions</a:t>
             </a:r>
             <a:endParaRPr lang="en-US" dirty="0"/>
           </a:p>
@@ -3859,11 +3863,7 @@
                     <a:p>
                       <a:r>
                         <a:rPr lang="en-US" sz="1600" dirty="0" smtClean="0"/>
-                        <a:t>Contact </a:t>
-                      </a:r>
-                      <a:r>
-                        <a:rPr lang="en-US" sz="1600" dirty="0" smtClean="0"/>
-                        <a:t>info.</a:t>
+                        <a:t>Contact info.</a:t>
                       </a:r>
                       <a:r>
                         <a:rPr lang="en-US" sz="1600" baseline="0" dirty="0" smtClean="0"/>
@@ -3967,11 +3967,7 @@
                       </a:r>
                       <a:r>
                         <a:rPr lang="en-US" sz="1600" baseline="0" dirty="0" smtClean="0"/>
-                        <a:t> </a:t>
-                      </a:r>
-                      <a:r>
-                        <a:rPr lang="en-US" sz="1600" baseline="0" dirty="0" smtClean="0"/>
-                        <a:t>for (s)</a:t>
+                        <a:t> for (s)</a:t>
                       </a:r>
                       <a:endParaRPr lang="en-US" sz="1600" dirty="0"/>
                     </a:p>
@@ -3991,11 +3987,7 @@
                       </a:r>
                       <a:r>
                         <a:rPr lang="en-US" sz="1600" baseline="0" dirty="0" smtClean="0"/>
-                        <a:t> me </a:t>
-                      </a:r>
-                      <a:r>
-                        <a:rPr lang="en-US" sz="1600" baseline="0" dirty="0" smtClean="0"/>
-                        <a:t>by (s)</a:t>
+                        <a:t> me by (s)</a:t>
                       </a:r>
                       <a:endParaRPr lang="en-US" sz="1600" dirty="0"/>
                     </a:p>
@@ -4016,13 +4008,13 @@
           <p:nvPr>
             <p:extLst>
               <p:ext uri="{D42A27DB-BD31-4B8C-83A1-F6EECF244321}">
-                <p14:modId xmlns:p14="http://schemas.microsoft.com/office/powerpoint/2010/main" val="3454710998"/>
+                <p14:modId xmlns:p14="http://schemas.microsoft.com/office/powerpoint/2010/main" val="4041272714"/>
               </p:ext>
             </p:extLst>
           </p:nvPr>
         </p:nvGraphicFramePr>
         <p:xfrm>
-          <a:off x="76200" y="4241800"/>
+          <a:off x="13855" y="4495800"/>
           <a:ext cx="2216468" cy="1854200"/>
         </p:xfrm>
         <a:graphic>
@@ -4311,7 +4303,7 @@
           <p:nvPr>
             <p:extLst>
               <p:ext uri="{D42A27DB-BD31-4B8C-83A1-F6EECF244321}">
-                <p14:modId xmlns:p14="http://schemas.microsoft.com/office/powerpoint/2010/main" val="2101894991"/>
+                <p14:modId xmlns:p14="http://schemas.microsoft.com/office/powerpoint/2010/main" val="2893417406"/>
               </p:ext>
             </p:extLst>
           </p:nvPr>
@@ -4389,7 +4381,7 @@
                     <a:p>
                       <a:r>
                         <a:rPr lang="en-US" sz="1600" dirty="0" smtClean="0"/>
-                        <a:t>Degree</a:t>
+                        <a:t>Degrees</a:t>
                       </a:r>
                       <a:endParaRPr lang="en-US" sz="1600" dirty="0"/>
                     </a:p>
@@ -4404,8 +4396,8 @@
                     <a:lstStyle/>
                     <a:p>
                       <a:r>
-                        <a:rPr lang="en-US" sz="1600" dirty="0" smtClean="0"/>
-                        <a:t>Major</a:t>
+                        <a:rPr lang="en-US" sz="1600" smtClean="0"/>
+                        <a:t>Majors</a:t>
                       </a:r>
                       <a:endParaRPr lang="en-US" sz="1600" dirty="0"/>
                     </a:p>
@@ -4598,14 +4590,14 @@
           <p:nvPr>
             <p:extLst>
               <p:ext uri="{D42A27DB-BD31-4B8C-83A1-F6EECF244321}">
-                <p14:modId xmlns:p14="http://schemas.microsoft.com/office/powerpoint/2010/main" val="1092921934"/>
+                <p14:modId xmlns:p14="http://schemas.microsoft.com/office/powerpoint/2010/main" val="240935387"/>
               </p:ext>
             </p:extLst>
           </p:nvPr>
         </p:nvGraphicFramePr>
         <p:xfrm>
           <a:off x="5638800" y="5257800"/>
-          <a:ext cx="2216468" cy="1447800"/>
+          <a:ext cx="2216468" cy="1818640"/>
         </p:xfrm>
         <a:graphic>
           <a:graphicData uri="http://schemas.openxmlformats.org/drawingml/2006/table">
@@ -4668,13 +4660,8 @@
                             <a:srgbClr val="FF0000"/>
                           </a:solidFill>
                         </a:rPr>
-                        <a:t>Trainings</a:t>
+                        <a:t>Trainings (Courses)</a:t>
                       </a:r>
-                      <a:endParaRPr lang="en-US" sz="1600" dirty="0">
-                        <a:solidFill>
-                          <a:srgbClr val="FF0000"/>
-                        </a:solidFill>
-                      </a:endParaRPr>
                     </a:p>
                   </a:txBody>
                   <a:tcPr/>
@@ -4704,6 +4691,30 @@
                   <a:tcPr/>
                 </a:tc>
               </a:tr>
+              <a:tr h="370840">
+                <a:tc>
+                  <a:txBody>
+                    <a:bodyPr/>
+                    <a:lstStyle/>
+                    <a:p>
+                      <a:r>
+                        <a:rPr lang="en-US" sz="1600" dirty="0" smtClean="0">
+                          <a:solidFill>
+                            <a:srgbClr val="0070C0"/>
+                          </a:solidFill>
+                        </a:rPr>
+                        <a:t>Others</a:t>
+                      </a:r>
+                      <a:endParaRPr lang="en-US" sz="1600" dirty="0">
+                        <a:solidFill>
+                          <a:srgbClr val="0070C0"/>
+                        </a:solidFill>
+                      </a:endParaRPr>
+                    </a:p>
+                  </a:txBody>
+                  <a:tcPr/>
+                </a:tc>
+              </a:tr>
             </a:tbl>
           </a:graphicData>
         </a:graphic>
@@ -4717,14 +4728,14 @@
           <p:nvPr>
             <p:extLst>
               <p:ext uri="{D42A27DB-BD31-4B8C-83A1-F6EECF244321}">
-                <p14:modId xmlns:p14="http://schemas.microsoft.com/office/powerpoint/2010/main" val="2095304772"/>
+                <p14:modId xmlns:p14="http://schemas.microsoft.com/office/powerpoint/2010/main" val="1286498063"/>
               </p:ext>
             </p:extLst>
           </p:nvPr>
         </p:nvGraphicFramePr>
         <p:xfrm>
           <a:off x="76200" y="1371600"/>
-          <a:ext cx="2216468" cy="2595880"/>
+          <a:ext cx="2216468" cy="2966720"/>
         </p:xfrm>
         <a:graphic>
           <a:graphicData uri="http://schemas.openxmlformats.org/drawingml/2006/table">
@@ -4851,6 +4862,22 @@
                   <a:tcPr/>
                 </a:tc>
               </a:tr>
+              <a:tr h="370840">
+                <a:tc>
+                  <a:txBody>
+                    <a:bodyPr/>
+                    <a:lstStyle/>
+                    <a:p>
+                      <a:r>
+                        <a:rPr lang="en-US" sz="1600" dirty="0" smtClean="0"/>
+                        <a:t>Picture</a:t>
+                      </a:r>
+                      <a:endParaRPr lang="en-US" sz="1600" dirty="0"/>
+                    </a:p>
+                  </a:txBody>
+                  <a:tcPr/>
+                </a:tc>
+              </a:tr>
             </a:tbl>
           </a:graphicData>
         </a:graphic>
@@ -4944,7 +4971,7 @@
           <p:nvPr>
             <p:extLst>
               <p:ext uri="{D42A27DB-BD31-4B8C-83A1-F6EECF244321}">
-                <p14:modId xmlns:p14="http://schemas.microsoft.com/office/powerpoint/2010/main" val="454905787"/>
+                <p14:modId xmlns:p14="http://schemas.microsoft.com/office/powerpoint/2010/main" val="1562097809"/>
               </p:ext>
             </p:extLst>
           </p:nvPr>
@@ -4969,7 +4996,7 @@
                     <a:lstStyle/>
                     <a:p>
                       <a:r>
-                        <a:rPr lang="en-US" sz="1600" smtClean="0"/>
+                        <a:rPr lang="en-US" sz="1600" dirty="0" smtClean="0"/>
                         <a:t>Abilities / Skills</a:t>
                       </a:r>
                       <a:endParaRPr lang="en-US" sz="1600" dirty="0"/>
@@ -5030,11 +5057,16 @@
                       <a:r>
                         <a:rPr lang="en-US" sz="1600" dirty="0" smtClean="0">
                           <a:solidFill>
-                            <a:srgbClr val="FF0000"/>
+                            <a:srgbClr val="0070C0"/>
                           </a:solidFill>
                         </a:rPr>
-                        <a:t>Experiences</a:t>
+                        <a:t>Others</a:t>
                       </a:r>
+                      <a:endParaRPr lang="en-US" sz="1600" dirty="0" smtClean="0">
+                        <a:solidFill>
+                          <a:srgbClr val="0070C0"/>
+                        </a:solidFill>
+                      </a:endParaRPr>
                     </a:p>
                   </a:txBody>
                   <a:tcPr/>

--- a/Documents/Requirements/Job seeker Profiles Analysis.pptx
+++ b/Documents/Requirements/Job seeker Profiles Analysis.pptx
@@ -13,9 +13,9 @@
     <p:sldId id="260" r:id="rId7"/>
     <p:sldId id="261" r:id="rId8"/>
     <p:sldId id="262" r:id="rId9"/>
-    <p:sldId id="265" r:id="rId10"/>
-    <p:sldId id="267" r:id="rId11"/>
-    <p:sldId id="269" r:id="rId12"/>
+    <p:sldId id="269" r:id="rId10"/>
+    <p:sldId id="270" r:id="rId11"/>
+    <p:sldId id="271" r:id="rId12"/>
   </p:sldIdLst>
   <p:sldSz cx="9144000" cy="6858000" type="screen4x3"/>
   <p:notesSz cx="6858000" cy="9144000"/>
@@ -3497,7 +3497,7 @@
           <a:p>
             <a:r>
               <a:rPr lang="en-US" dirty="0" smtClean="0"/>
-              <a:t>Picture </a:t>
+              <a:t>Education &amp; Knowledge </a:t>
             </a:r>
             <a:r>
               <a:rPr lang="en-US" dirty="0" smtClean="0">
@@ -3517,12 +3517,12 @@
       </p:sp>
       <p:sp>
         <p:nvSpPr>
-          <p:cNvPr id="3" name="Content Placeholder 2"/>
-          <p:cNvSpPr>
-            <a:spLocks noGrp="1"/>
-          </p:cNvSpPr>
-          <p:nvPr>
-            <p:ph idx="1"/>
+          <p:cNvPr id="5" name="Content Placeholder 4"/>
+          <p:cNvSpPr>
+            <a:spLocks noGrp="1"/>
+          </p:cNvSpPr>
+          <p:nvPr>
+            <p:ph sz="half" idx="2"/>
           </p:nvPr>
         </p:nvSpPr>
         <p:spPr/>
@@ -3534,10 +3534,106 @@
           </a:p>
         </p:txBody>
       </p:sp>
+      <p:graphicFrame>
+        <p:nvGraphicFramePr>
+          <p:cNvPr id="7" name="Content Placeholder 3"/>
+          <p:cNvGraphicFramePr>
+            <a:graphicFrameLocks noGrp="1"/>
+          </p:cNvGraphicFramePr>
+          <p:nvPr>
+            <p:ph sz="half" idx="1"/>
+            <p:extLst>
+              <p:ext uri="{D42A27DB-BD31-4B8C-83A1-F6EECF244321}">
+                <p14:modId xmlns:p14="http://schemas.microsoft.com/office/powerpoint/2010/main" val="254233549"/>
+              </p:ext>
+            </p:extLst>
+          </p:nvPr>
+        </p:nvGraphicFramePr>
+        <p:xfrm>
+          <a:off x="457200" y="1673225"/>
+          <a:ext cx="2216468" cy="1112520"/>
+        </p:xfrm>
+        <a:graphic>
+          <a:graphicData uri="http://schemas.openxmlformats.org/drawingml/2006/table">
+            <a:tbl>
+              <a:tblPr firstRow="1" bandRow="1">
+                <a:tableStyleId>{B301B821-A1FF-4177-AEE7-76D212191A09}</a:tableStyleId>
+              </a:tblPr>
+              <a:tblGrid>
+                <a:gridCol w="2216468"/>
+              </a:tblGrid>
+              <a:tr h="370840">
+                <a:tc>
+                  <a:txBody>
+                    <a:bodyPr/>
+                    <a:lstStyle/>
+                    <a:p>
+                      <a:r>
+                        <a:rPr lang="en-US" sz="1600" dirty="0" smtClean="0"/>
+                        <a:t>Job expectation</a:t>
+                      </a:r>
+                      <a:endParaRPr lang="en-US" sz="1600" dirty="0"/>
+                    </a:p>
+                  </a:txBody>
+                  <a:tcPr/>
+                </a:tc>
+              </a:tr>
+              <a:tr h="370840">
+                <a:tc>
+                  <a:txBody>
+                    <a:bodyPr/>
+                    <a:lstStyle/>
+                    <a:p>
+                      <a:r>
+                        <a:rPr lang="en-US" sz="1600" dirty="0" smtClean="0">
+                          <a:solidFill>
+                            <a:srgbClr val="FF0000"/>
+                          </a:solidFill>
+                        </a:rPr>
+                        <a:t>Objectives</a:t>
+                      </a:r>
+                      <a:endParaRPr lang="en-US" sz="1600" dirty="0">
+                        <a:solidFill>
+                          <a:srgbClr val="FF0000"/>
+                        </a:solidFill>
+                      </a:endParaRPr>
+                    </a:p>
+                  </a:txBody>
+                  <a:tcPr/>
+                </a:tc>
+              </a:tr>
+              <a:tr h="370840">
+                <a:tc>
+                  <a:txBody>
+                    <a:bodyPr/>
+                    <a:lstStyle/>
+                    <a:p>
+                      <a:r>
+                        <a:rPr lang="en-US" sz="1600" dirty="0" smtClean="0">
+                          <a:solidFill>
+                            <a:srgbClr val="FF0000"/>
+                          </a:solidFill>
+                        </a:rPr>
+                        <a:t>Opportunities</a:t>
+                      </a:r>
+                      <a:endParaRPr lang="en-US" sz="1600" dirty="0">
+                        <a:solidFill>
+                          <a:srgbClr val="FF0000"/>
+                        </a:solidFill>
+                      </a:endParaRPr>
+                    </a:p>
+                  </a:txBody>
+                  <a:tcPr/>
+                </a:tc>
+              </a:tr>
+            </a:tbl>
+          </a:graphicData>
+        </a:graphic>
+      </p:graphicFrame>
     </p:spTree>
     <p:extLst>
       <p:ext uri="{BB962C8B-B14F-4D97-AF65-F5344CB8AC3E}">
-        <p14:creationId xmlns:p14="http://schemas.microsoft.com/office/powerpoint/2010/main" val="2341796723"/>
+        <p14:creationId xmlns:p14="http://schemas.microsoft.com/office/powerpoint/2010/main" val="1497258057"/>
       </p:ext>
     </p:extLst>
   </p:cSld>
@@ -3588,7 +3684,7 @@
           <a:p>
             <a:r>
               <a:rPr lang="en-US" dirty="0" smtClean="0"/>
-              <a:t>Job expectation </a:t>
+              <a:t>Education &amp; Knowledge </a:t>
             </a:r>
             <a:r>
               <a:rPr lang="en-US" dirty="0" smtClean="0">
@@ -3608,12 +3704,12 @@
       </p:sp>
       <p:sp>
         <p:nvSpPr>
-          <p:cNvPr id="3" name="Content Placeholder 2"/>
-          <p:cNvSpPr>
-            <a:spLocks noGrp="1"/>
-          </p:cNvSpPr>
-          <p:nvPr>
-            <p:ph idx="1"/>
+          <p:cNvPr id="5" name="Content Placeholder 4"/>
+          <p:cNvSpPr>
+            <a:spLocks noGrp="1"/>
+          </p:cNvSpPr>
+          <p:nvPr>
+            <p:ph sz="half" idx="2"/>
           </p:nvPr>
         </p:nvSpPr>
         <p:spPr/>
@@ -3621,14 +3717,124 @@
           <a:bodyPr/>
           <a:lstStyle/>
           <a:p>
-            <a:endParaRPr lang="en-US"/>
-          </a:p>
-        </p:txBody>
-      </p:sp>
+            <a:endParaRPr lang="en-US" dirty="0"/>
+          </a:p>
+        </p:txBody>
+      </p:sp>
+      <p:graphicFrame>
+        <p:nvGraphicFramePr>
+          <p:cNvPr id="8" name="Content Placeholder 3"/>
+          <p:cNvGraphicFramePr>
+            <a:graphicFrameLocks noGrp="1"/>
+          </p:cNvGraphicFramePr>
+          <p:nvPr>
+            <p:ph sz="half" idx="1"/>
+            <p:extLst>
+              <p:ext uri="{D42A27DB-BD31-4B8C-83A1-F6EECF244321}">
+                <p14:modId xmlns:p14="http://schemas.microsoft.com/office/powerpoint/2010/main" val="2218008870"/>
+              </p:ext>
+            </p:extLst>
+          </p:nvPr>
+        </p:nvGraphicFramePr>
+        <p:xfrm>
+          <a:off x="457200" y="1673225"/>
+          <a:ext cx="2216468" cy="1341120"/>
+        </p:xfrm>
+        <a:graphic>
+          <a:graphicData uri="http://schemas.openxmlformats.org/drawingml/2006/table">
+            <a:tbl>
+              <a:tblPr firstRow="1" bandRow="1">
+                <a:tableStyleId>{B301B821-A1FF-4177-AEE7-76D212191A09}</a:tableStyleId>
+              </a:tblPr>
+              <a:tblGrid>
+                <a:gridCol w="2216468"/>
+              </a:tblGrid>
+              <a:tr h="180340">
+                <a:tc>
+                  <a:txBody>
+                    <a:bodyPr/>
+                    <a:lstStyle/>
+                    <a:p>
+                      <a:r>
+                        <a:rPr lang="en-US" sz="1600" dirty="0" smtClean="0"/>
+                        <a:t>Abilities / Skills</a:t>
+                      </a:r>
+                      <a:endParaRPr lang="en-US" sz="1600" dirty="0"/>
+                    </a:p>
+                  </a:txBody>
+                  <a:tcPr/>
+                </a:tc>
+              </a:tr>
+              <a:tr h="180340">
+                <a:tc>
+                  <a:txBody>
+                    <a:bodyPr/>
+                    <a:lstStyle/>
+                    <a:p>
+                      <a:r>
+                        <a:rPr lang="en-US" sz="1600" dirty="0" smtClean="0">
+                          <a:solidFill>
+                            <a:srgbClr val="FF0000"/>
+                          </a:solidFill>
+                        </a:rPr>
+                        <a:t>Fields</a:t>
+                      </a:r>
+                      <a:endParaRPr lang="en-US" sz="1600" dirty="0">
+                        <a:solidFill>
+                          <a:srgbClr val="FF0000"/>
+                        </a:solidFill>
+                      </a:endParaRPr>
+                    </a:p>
+                  </a:txBody>
+                  <a:tcPr/>
+                </a:tc>
+              </a:tr>
+              <a:tr h="180340">
+                <a:tc>
+                  <a:txBody>
+                    <a:bodyPr/>
+                    <a:lstStyle/>
+                    <a:p>
+                      <a:r>
+                        <a:rPr lang="en-US" sz="1600" dirty="0" smtClean="0">
+                          <a:solidFill>
+                            <a:srgbClr val="FF0000"/>
+                          </a:solidFill>
+                        </a:rPr>
+                        <a:t>Details</a:t>
+                      </a:r>
+                    </a:p>
+                  </a:txBody>
+                  <a:tcPr/>
+                </a:tc>
+              </a:tr>
+              <a:tr h="180340">
+                <a:tc>
+                  <a:txBody>
+                    <a:bodyPr/>
+                    <a:lstStyle/>
+                    <a:p>
+                      <a:r>
+                        <a:rPr lang="en-US" sz="1600" dirty="0" smtClean="0">
+                          <a:solidFill>
+                            <a:srgbClr val="0070C0"/>
+                          </a:solidFill>
+                        </a:rPr>
+                        <a:t>Others</a:t>
+                      </a:r>
+                    </a:p>
+                  </a:txBody>
+                  <a:tcPr/>
+                </a:tc>
+              </a:tr>
+            </a:tbl>
+          </a:graphicData>
+        </a:graphic>
+      </p:graphicFrame>
     </p:spTree>
     <p:extLst>
       <p:ext uri="{BB962C8B-B14F-4D97-AF65-F5344CB8AC3E}">
-        <p14:creationId xmlns:p14="http://schemas.microsoft.com/office/powerpoint/2010/main" val="3896512097"/>
+        <p14:creationId xmlns:p14="http://schemas.microsoft.com/office/powerpoint/2010/main" val="557312398"/>
       </p:ext>
     </p:extLst>
   </p:cSld>
@@ -3710,11 +3916,7 @@
           <a:p>
             <a:r>
               <a:rPr lang="en-US" dirty="0" smtClean="0"/>
-              <a:t>Contact </a:t>
-            </a:r>
-            <a:r>
-              <a:rPr lang="en-US" dirty="0" smtClean="0"/>
-              <a:t>information</a:t>
+              <a:t>Contact information</a:t>
             </a:r>
           </a:p>
           <a:p>
@@ -3728,14 +3930,12 @@
               <a:rPr lang="en-US" dirty="0" smtClean="0"/>
               <a:t>Work </a:t>
             </a:r>
-            <a:endParaRPr lang="en-US" dirty="0" smtClean="0"/>
           </a:p>
           <a:p>
             <a:r>
               <a:rPr lang="en-US" dirty="0" smtClean="0"/>
               <a:t>Education</a:t>
             </a:r>
-            <a:endParaRPr lang="en-US" dirty="0" smtClean="0"/>
           </a:p>
           <a:p>
             <a:r>
@@ -3758,11 +3958,7 @@
           <a:p>
             <a:r>
               <a:rPr lang="en-US" dirty="0" smtClean="0"/>
-              <a:t>Recommend </a:t>
-            </a:r>
-            <a:r>
-              <a:rPr lang="en-US" dirty="0" smtClean="0"/>
-              <a:t>actions</a:t>
+              <a:t>Recommend actions</a:t>
             </a:r>
             <a:endParaRPr lang="en-US" dirty="0"/>
           </a:p>
@@ -5062,11 +5258,6 @@
                         </a:rPr>
                         <a:t>Others</a:t>
                       </a:r>
-                      <a:endParaRPr lang="en-US" sz="1600" dirty="0" smtClean="0">
-                        <a:solidFill>
-                          <a:srgbClr val="0070C0"/>
-                        </a:solidFill>
-                      </a:endParaRPr>
                     </a:p>
                   </a:txBody>
                   <a:tcPr/>
@@ -5190,23 +5381,192 @@
       </p:sp>
       <p:sp>
         <p:nvSpPr>
-          <p:cNvPr id="3" name="Content Placeholder 2"/>
-          <p:cNvSpPr>
-            <a:spLocks noGrp="1"/>
-          </p:cNvSpPr>
-          <p:nvPr>
-            <p:ph idx="1"/>
-          </p:nvPr>
-        </p:nvSpPr>
-        <p:spPr/>
+          <p:cNvPr id="13" name="Content Placeholder 12"/>
+          <p:cNvSpPr>
+            <a:spLocks noGrp="1"/>
+          </p:cNvSpPr>
+          <p:nvPr>
+            <p:ph sz="half" idx="2"/>
+          </p:nvPr>
+        </p:nvSpPr>
+        <p:spPr>
+          <a:xfrm>
+            <a:off x="2971800" y="1673352"/>
+            <a:ext cx="5715000" cy="4718304"/>
+          </a:xfrm>
+        </p:spPr>
         <p:txBody>
           <a:bodyPr/>
           <a:lstStyle/>
           <a:p>
-            <a:endParaRPr lang="en-US"/>
-          </a:p>
-        </p:txBody>
-      </p:sp>
+            <a:endParaRPr lang="en-US" dirty="0"/>
+          </a:p>
+        </p:txBody>
+      </p:sp>
+      <p:graphicFrame>
+        <p:nvGraphicFramePr>
+          <p:cNvPr id="14" name="Content Placeholder 3"/>
+          <p:cNvGraphicFramePr>
+            <a:graphicFrameLocks noGrp="1"/>
+          </p:cNvGraphicFramePr>
+          <p:nvPr>
+            <p:ph sz="half" idx="1"/>
+            <p:extLst>
+              <p:ext uri="{D42A27DB-BD31-4B8C-83A1-F6EECF244321}">
+                <p14:modId xmlns:p14="http://schemas.microsoft.com/office/powerpoint/2010/main" val="3761918917"/>
+              </p:ext>
+            </p:extLst>
+          </p:nvPr>
+        </p:nvGraphicFramePr>
+        <p:xfrm>
+          <a:off x="457200" y="1673225"/>
+          <a:ext cx="2216468" cy="2966720"/>
+        </p:xfrm>
+        <a:graphic>
+          <a:graphicData uri="http://schemas.openxmlformats.org/drawingml/2006/table">
+            <a:tbl>
+              <a:tblPr firstRow="1" bandRow="1">
+                <a:tableStyleId>{B301B821-A1FF-4177-AEE7-76D212191A09}</a:tableStyleId>
+              </a:tblPr>
+              <a:tblGrid>
+                <a:gridCol w="2216468"/>
+              </a:tblGrid>
+              <a:tr h="370840">
+                <a:tc>
+                  <a:txBody>
+                    <a:bodyPr/>
+                    <a:lstStyle/>
+                    <a:p>
+                      <a:r>
+                        <a:rPr lang="en-US" sz="1600" dirty="0" smtClean="0"/>
+                        <a:t>Basic info</a:t>
+                      </a:r>
+                      <a:endParaRPr lang="en-US" sz="1600" dirty="0"/>
+                    </a:p>
+                  </a:txBody>
+                  <a:tcPr/>
+                </a:tc>
+              </a:tr>
+              <a:tr h="370840">
+                <a:tc>
+                  <a:txBody>
+                    <a:bodyPr/>
+                    <a:lstStyle/>
+                    <a:p>
+                      <a:r>
+                        <a:rPr lang="en-US" sz="1600" dirty="0" smtClean="0"/>
+                        <a:t>Full name</a:t>
+                      </a:r>
+                      <a:endParaRPr lang="en-US" sz="1600" dirty="0"/>
+                    </a:p>
+                  </a:txBody>
+                  <a:tcPr/>
+                </a:tc>
+              </a:tr>
+              <a:tr h="370840">
+                <a:tc>
+                  <a:txBody>
+                    <a:bodyPr/>
+                    <a:lstStyle/>
+                    <a:p>
+                      <a:r>
+                        <a:rPr lang="en-US" sz="1600" dirty="0" smtClean="0"/>
+                        <a:t>Date of birth</a:t>
+                      </a:r>
+                      <a:endParaRPr lang="en-US" sz="1600" dirty="0"/>
+                    </a:p>
+                  </a:txBody>
+                  <a:tcPr/>
+                </a:tc>
+              </a:tr>
+              <a:tr h="370840">
+                <a:tc>
+                  <a:txBody>
+                    <a:bodyPr/>
+                    <a:lstStyle/>
+                    <a:p>
+                      <a:r>
+                        <a:rPr lang="en-US" sz="1600" dirty="0" smtClean="0"/>
+                        <a:t>Citizenship</a:t>
+                      </a:r>
+                      <a:endParaRPr lang="en-US" sz="1600" dirty="0"/>
+                    </a:p>
+                  </a:txBody>
+                  <a:tcPr/>
+                </a:tc>
+              </a:tr>
+              <a:tr h="370840">
+                <a:tc>
+                  <a:txBody>
+                    <a:bodyPr/>
+                    <a:lstStyle/>
+                    <a:p>
+                      <a:r>
+                        <a:rPr lang="en-US" sz="1600" dirty="0" smtClean="0"/>
+                        <a:t>City</a:t>
+                      </a:r>
+                      <a:endParaRPr lang="en-US" sz="1600" dirty="0"/>
+                    </a:p>
+                  </a:txBody>
+                  <a:tcPr/>
+                </a:tc>
+              </a:tr>
+              <a:tr h="370840">
+                <a:tc>
+                  <a:txBody>
+                    <a:bodyPr/>
+                    <a:lstStyle/>
+                    <a:p>
+                      <a:r>
+                        <a:rPr lang="en-US" sz="1600" dirty="0" smtClean="0"/>
+                        <a:t>Address</a:t>
+                      </a:r>
+                      <a:endParaRPr lang="en-US" sz="1600" dirty="0"/>
+                    </a:p>
+                  </a:txBody>
+                  <a:tcPr/>
+                </a:tc>
+              </a:tr>
+              <a:tr h="370840">
+                <a:tc>
+                  <a:txBody>
+                    <a:bodyPr/>
+                    <a:lstStyle/>
+                    <a:p>
+                      <a:r>
+                        <a:rPr lang="en-US" sz="1600" dirty="0" smtClean="0"/>
+                        <a:t>Marital</a:t>
+                      </a:r>
+                      <a:r>
+                        <a:rPr lang="en-US" sz="1600" baseline="0" dirty="0" smtClean="0"/>
+                        <a:t> status</a:t>
+                      </a:r>
+                      <a:endParaRPr lang="en-US" sz="1600" dirty="0"/>
+                    </a:p>
+                  </a:txBody>
+                  <a:tcPr/>
+                </a:tc>
+              </a:tr>
+              <a:tr h="370840">
+                <a:tc>
+                  <a:txBody>
+                    <a:bodyPr/>
+                    <a:lstStyle/>
+                    <a:p>
+                      <a:r>
+                        <a:rPr lang="en-US" sz="1600" dirty="0" smtClean="0"/>
+                        <a:t>Picture</a:t>
+                      </a:r>
+                      <a:endParaRPr lang="en-US" sz="1600" dirty="0"/>
+                    </a:p>
+                  </a:txBody>
+                  <a:tcPr/>
+                </a:tc>
+              </a:tr>
+            </a:tbl>
+          </a:graphicData>
+        </a:graphic>
+      </p:graphicFrame>
     </p:spTree>
     <p:extLst>
       <p:ext uri="{BB962C8B-B14F-4D97-AF65-F5344CB8AC3E}">
@@ -5281,12 +5641,12 @@
       </p:sp>
       <p:sp>
         <p:nvSpPr>
-          <p:cNvPr id="3" name="Content Placeholder 2"/>
-          <p:cNvSpPr>
-            <a:spLocks noGrp="1"/>
-          </p:cNvSpPr>
-          <p:nvPr>
-            <p:ph idx="1"/>
+          <p:cNvPr id="14" name="Content Placeholder 13"/>
+          <p:cNvSpPr>
+            <a:spLocks noGrp="1"/>
+          </p:cNvSpPr>
+          <p:nvPr>
+            <p:ph sz="half" idx="2"/>
           </p:nvPr>
         </p:nvSpPr>
         <p:spPr/>
@@ -5294,10 +5654,182 @@
           <a:bodyPr/>
           <a:lstStyle/>
           <a:p>
-            <a:endParaRPr lang="en-US"/>
-          </a:p>
-        </p:txBody>
-      </p:sp>
+            <a:endParaRPr lang="en-US" dirty="0"/>
+          </a:p>
+        </p:txBody>
+      </p:sp>
+      <p:graphicFrame>
+        <p:nvGraphicFramePr>
+          <p:cNvPr id="15" name="Content Placeholder 3"/>
+          <p:cNvGraphicFramePr>
+            <a:graphicFrameLocks noGrp="1"/>
+          </p:cNvGraphicFramePr>
+          <p:nvPr>
+            <p:ph sz="half" idx="1"/>
+            <p:extLst>
+              <p:ext uri="{D42A27DB-BD31-4B8C-83A1-F6EECF244321}">
+                <p14:modId xmlns:p14="http://schemas.microsoft.com/office/powerpoint/2010/main" val="1552352456"/>
+              </p:ext>
+            </p:extLst>
+          </p:nvPr>
+        </p:nvGraphicFramePr>
+        <p:xfrm>
+          <a:off x="457200" y="1673225"/>
+          <a:ext cx="2216468" cy="2595880"/>
+        </p:xfrm>
+        <a:graphic>
+          <a:graphicData uri="http://schemas.openxmlformats.org/drawingml/2006/table">
+            <a:tbl>
+              <a:tblPr firstRow="1" bandRow="1">
+                <a:tableStyleId>{B301B821-A1FF-4177-AEE7-76D212191A09}</a:tableStyleId>
+              </a:tblPr>
+              <a:tblGrid>
+                <a:gridCol w="2216468"/>
+              </a:tblGrid>
+              <a:tr h="370840">
+                <a:tc>
+                  <a:txBody>
+                    <a:bodyPr/>
+                    <a:lstStyle/>
+                    <a:p>
+                      <a:r>
+                        <a:rPr lang="en-US" sz="1600" dirty="0" smtClean="0"/>
+                        <a:t>Contact info.</a:t>
+                      </a:r>
+                      <a:r>
+                        <a:rPr lang="en-US" sz="1600" baseline="0" dirty="0" smtClean="0"/>
+                        <a:t> (s)</a:t>
+                      </a:r>
+                      <a:endParaRPr lang="en-US" sz="1600" dirty="0"/>
+                    </a:p>
+                  </a:txBody>
+                  <a:tcPr/>
+                </a:tc>
+              </a:tr>
+              <a:tr h="370840">
+                <a:tc>
+                  <a:txBody>
+                    <a:bodyPr/>
+                    <a:lstStyle/>
+                    <a:p>
+                      <a:r>
+                        <a:rPr lang="en-US" sz="1600" dirty="0" smtClean="0">
+                          <a:solidFill>
+                            <a:srgbClr val="00B0F0"/>
+                          </a:solidFill>
+                        </a:rPr>
+                        <a:t>Websites</a:t>
+                      </a:r>
+                      <a:endParaRPr lang="en-US" sz="1600" dirty="0">
+                        <a:solidFill>
+                          <a:srgbClr val="00B0F0"/>
+                        </a:solidFill>
+                      </a:endParaRPr>
+                    </a:p>
+                  </a:txBody>
+                  <a:tcPr/>
+                </a:tc>
+              </a:tr>
+              <a:tr h="370840">
+                <a:tc>
+                  <a:txBody>
+                    <a:bodyPr/>
+                    <a:lstStyle/>
+                    <a:p>
+                      <a:r>
+                        <a:rPr lang="en-US" sz="1600" dirty="0" smtClean="0">
+                          <a:solidFill>
+                            <a:srgbClr val="00B0F0"/>
+                          </a:solidFill>
+                        </a:rPr>
+                        <a:t>Social networks</a:t>
+                      </a:r>
+                      <a:endParaRPr lang="en-US" sz="1600" dirty="0">
+                        <a:solidFill>
+                          <a:srgbClr val="00B0F0"/>
+                        </a:solidFill>
+                      </a:endParaRPr>
+                    </a:p>
+                  </a:txBody>
+                  <a:tcPr/>
+                </a:tc>
+              </a:tr>
+              <a:tr h="370840">
+                <a:tc>
+                  <a:txBody>
+                    <a:bodyPr/>
+                    <a:lstStyle/>
+                    <a:p>
+                      <a:r>
+                        <a:rPr lang="en-US" sz="1600" dirty="0" smtClean="0"/>
+                        <a:t>Emails</a:t>
+                      </a:r>
+                      <a:endParaRPr lang="en-US" sz="1600" dirty="0"/>
+                    </a:p>
+                  </a:txBody>
+                  <a:tcPr/>
+                </a:tc>
+              </a:tr>
+              <a:tr h="370840">
+                <a:tc>
+                  <a:txBody>
+                    <a:bodyPr/>
+                    <a:lstStyle/>
+                    <a:p>
+                      <a:r>
+                        <a:rPr lang="en-US" sz="1600" dirty="0" smtClean="0"/>
+                        <a:t>Phones</a:t>
+                      </a:r>
+                      <a:endParaRPr lang="en-US" sz="1600" dirty="0"/>
+                    </a:p>
+                  </a:txBody>
+                  <a:tcPr/>
+                </a:tc>
+              </a:tr>
+              <a:tr h="370840">
+                <a:tc>
+                  <a:txBody>
+                    <a:bodyPr/>
+                    <a:lstStyle/>
+                    <a:p>
+                      <a:r>
+                        <a:rPr lang="en-US" sz="1600" dirty="0" smtClean="0"/>
+                        <a:t>Contact me</a:t>
+                      </a:r>
+                      <a:r>
+                        <a:rPr lang="en-US" sz="1600" baseline="0" dirty="0" smtClean="0"/>
+                        <a:t> for (s)</a:t>
+                      </a:r>
+                      <a:endParaRPr lang="en-US" sz="1600" dirty="0"/>
+                    </a:p>
+                  </a:txBody>
+                  <a:tcPr/>
+                </a:tc>
+              </a:tr>
+              <a:tr h="370840">
+                <a:tc>
+                  <a:txBody>
+                    <a:bodyPr/>
+                    <a:lstStyle/>
+                    <a:p>
+                      <a:r>
+                        <a:rPr lang="en-US" sz="1600" dirty="0" smtClean="0"/>
+                        <a:t>Contact</a:t>
+                      </a:r>
+                      <a:r>
+                        <a:rPr lang="en-US" sz="1600" baseline="0" dirty="0" smtClean="0"/>
+                        <a:t> me by (s)</a:t>
+                      </a:r>
+                      <a:endParaRPr lang="en-US" sz="1600" dirty="0"/>
+                    </a:p>
+                  </a:txBody>
+                  <a:tcPr/>
+                </a:tc>
+              </a:tr>
+            </a:tbl>
+          </a:graphicData>
+        </a:graphic>
+      </p:graphicFrame>
     </p:spTree>
     <p:extLst>
       <p:ext uri="{BB962C8B-B14F-4D97-AF65-F5344CB8AC3E}">
@@ -5372,12 +5904,12 @@
       </p:sp>
       <p:sp>
         <p:nvSpPr>
-          <p:cNvPr id="3" name="Content Placeholder 2"/>
-          <p:cNvSpPr>
-            <a:spLocks noGrp="1"/>
-          </p:cNvSpPr>
-          <p:nvPr>
-            <p:ph idx="1"/>
+          <p:cNvPr id="6" name="Content Placeholder 5"/>
+          <p:cNvSpPr>
+            <a:spLocks noGrp="1"/>
+          </p:cNvSpPr>
+          <p:nvPr>
+            <p:ph sz="half" idx="2"/>
           </p:nvPr>
         </p:nvSpPr>
         <p:spPr/>
@@ -5389,6 +5921,126 @@
           </a:p>
         </p:txBody>
       </p:sp>
+      <p:graphicFrame>
+        <p:nvGraphicFramePr>
+          <p:cNvPr id="7" name="Content Placeholder 3"/>
+          <p:cNvGraphicFramePr>
+            <a:graphicFrameLocks noGrp="1"/>
+          </p:cNvGraphicFramePr>
+          <p:nvPr>
+            <p:ph sz="half" idx="1"/>
+            <p:extLst>
+              <p:ext uri="{D42A27DB-BD31-4B8C-83A1-F6EECF244321}">
+                <p14:modId xmlns:p14="http://schemas.microsoft.com/office/powerpoint/2010/main" val="3295118923"/>
+              </p:ext>
+            </p:extLst>
+          </p:nvPr>
+        </p:nvGraphicFramePr>
+        <p:xfrm>
+          <a:off x="457200" y="1673225"/>
+          <a:ext cx="2216468" cy="1854200"/>
+        </p:xfrm>
+        <a:graphic>
+          <a:graphicData uri="http://schemas.openxmlformats.org/drawingml/2006/table">
+            <a:tbl>
+              <a:tblPr firstRow="1" bandRow="1">
+                <a:tableStyleId>{B301B821-A1FF-4177-AEE7-76D212191A09}</a:tableStyleId>
+              </a:tblPr>
+              <a:tblGrid>
+                <a:gridCol w="2216468"/>
+              </a:tblGrid>
+              <a:tr h="370840">
+                <a:tc>
+                  <a:txBody>
+                    <a:bodyPr/>
+                    <a:lstStyle/>
+                    <a:p>
+                      <a:r>
+                        <a:rPr lang="en-US" sz="1600" dirty="0" smtClean="0"/>
+                        <a:t>Career</a:t>
+                      </a:r>
+                      <a:r>
+                        <a:rPr lang="en-US" sz="1600" baseline="0" dirty="0" smtClean="0"/>
+                        <a:t> summary</a:t>
+                      </a:r>
+                      <a:endParaRPr lang="en-US" sz="1600" dirty="0"/>
+                    </a:p>
+                  </a:txBody>
+                  <a:tcPr/>
+                </a:tc>
+              </a:tr>
+              <a:tr h="370840">
+                <a:tc>
+                  <a:txBody>
+                    <a:bodyPr/>
+                    <a:lstStyle/>
+                    <a:p>
+                      <a:r>
+                        <a:rPr lang="en-US" sz="1600" dirty="0" smtClean="0"/>
+                        <a:t>Professional status</a:t>
+                      </a:r>
+                      <a:endParaRPr lang="en-US" sz="1600" dirty="0"/>
+                    </a:p>
+                  </a:txBody>
+                  <a:tcPr/>
+                </a:tc>
+              </a:tr>
+              <a:tr h="370840">
+                <a:tc>
+                  <a:txBody>
+                    <a:bodyPr/>
+                    <a:lstStyle/>
+                    <a:p>
+                      <a:r>
+                        <a:rPr lang="en-US" sz="1600" dirty="0" smtClean="0"/>
+                        <a:t>Expert</a:t>
+                      </a:r>
+                      <a:r>
+                        <a:rPr lang="en-US" sz="1600" baseline="0" dirty="0" smtClean="0"/>
+                        <a:t> in</a:t>
+                      </a:r>
+                      <a:endParaRPr lang="en-US" sz="1600" dirty="0"/>
+                    </a:p>
+                  </a:txBody>
+                  <a:tcPr/>
+                </a:tc>
+              </a:tr>
+              <a:tr h="370840">
+                <a:tc>
+                  <a:txBody>
+                    <a:bodyPr/>
+                    <a:lstStyle/>
+                    <a:p>
+                      <a:r>
+                        <a:rPr lang="en-US" sz="1600" dirty="0" smtClean="0"/>
+                        <a:t>Summary</a:t>
+                      </a:r>
+                      <a:endParaRPr lang="en-US" sz="1600" dirty="0"/>
+                    </a:p>
+                  </a:txBody>
+                  <a:tcPr/>
+                </a:tc>
+              </a:tr>
+              <a:tr h="370840">
+                <a:tc>
+                  <a:txBody>
+                    <a:bodyPr/>
+                    <a:lstStyle/>
+                    <a:p>
+                      <a:r>
+                        <a:rPr lang="en-US" sz="1600" dirty="0" smtClean="0"/>
+                        <a:t>Specialties</a:t>
+                      </a:r>
+                      <a:endParaRPr lang="en-US" sz="1600" dirty="0"/>
+                    </a:p>
+                  </a:txBody>
+                  <a:tcPr/>
+                </a:tc>
+              </a:tr>
+            </a:tbl>
+          </a:graphicData>
+        </a:graphic>
+      </p:graphicFrame>
     </p:spTree>
     <p:extLst>
       <p:ext uri="{BB962C8B-B14F-4D97-AF65-F5344CB8AC3E}">
@@ -5443,7 +6095,15 @@
           <a:p>
             <a:r>
               <a:rPr lang="en-US" dirty="0" smtClean="0"/>
-              <a:t>Work experience </a:t>
+              <a:t>Work </a:t>
+            </a:r>
+            <a:r>
+              <a:rPr lang="en-US" dirty="0" smtClean="0"/>
+              <a:t>histories</a:t>
+            </a:r>
+            <a:r>
+              <a:rPr lang="en-US" dirty="0" smtClean="0"/>
+              <a:t> </a:t>
             </a:r>
             <a:r>
               <a:rPr lang="en-US" dirty="0" smtClean="0">
@@ -5463,12 +6123,12 @@
       </p:sp>
       <p:sp>
         <p:nvSpPr>
-          <p:cNvPr id="5" name="Content Placeholder 4"/>
-          <p:cNvSpPr>
-            <a:spLocks noGrp="1"/>
-          </p:cNvSpPr>
-          <p:nvPr>
-            <p:ph idx="1"/>
+          <p:cNvPr id="4" name="Content Placeholder 3"/>
+          <p:cNvSpPr>
+            <a:spLocks noGrp="1"/>
+          </p:cNvSpPr>
+          <p:nvPr>
+            <p:ph sz="half" idx="2"/>
           </p:nvPr>
         </p:nvSpPr>
         <p:spPr/>
@@ -5480,6 +6140,183 @@
           </a:p>
         </p:txBody>
       </p:sp>
+      <p:graphicFrame>
+        <p:nvGraphicFramePr>
+          <p:cNvPr id="6" name="Content Placeholder 3"/>
+          <p:cNvGraphicFramePr>
+            <a:graphicFrameLocks noGrp="1"/>
+          </p:cNvGraphicFramePr>
+          <p:nvPr>
+            <p:ph sz="half" idx="1"/>
+            <p:extLst>
+              <p:ext uri="{D42A27DB-BD31-4B8C-83A1-F6EECF244321}">
+                <p14:modId xmlns:p14="http://schemas.microsoft.com/office/powerpoint/2010/main" val="2725033023"/>
+              </p:ext>
+            </p:extLst>
+          </p:nvPr>
+        </p:nvGraphicFramePr>
+        <p:xfrm>
+          <a:off x="457200" y="1673225"/>
+          <a:ext cx="2216468" cy="2966720"/>
+        </p:xfrm>
+        <a:graphic>
+          <a:graphicData uri="http://schemas.openxmlformats.org/drawingml/2006/table">
+            <a:tbl>
+              <a:tblPr firstRow="1" bandRow="1">
+                <a:tableStyleId>{B301B821-A1FF-4177-AEE7-76D212191A09}</a:tableStyleId>
+              </a:tblPr>
+              <a:tblGrid>
+                <a:gridCol w="2216468"/>
+              </a:tblGrid>
+              <a:tr h="370840">
+                <a:tc>
+                  <a:txBody>
+                    <a:bodyPr/>
+                    <a:lstStyle/>
+                    <a:p>
+                      <a:r>
+                        <a:rPr lang="en-US" sz="1600" dirty="0" smtClean="0"/>
+                        <a:t>Work history</a:t>
+                      </a:r>
+                      <a:endParaRPr lang="en-US" sz="1600" dirty="0"/>
+                    </a:p>
+                  </a:txBody>
+                  <a:tcPr/>
+                </a:tc>
+              </a:tr>
+              <a:tr h="370840">
+                <a:tc>
+                  <a:txBody>
+                    <a:bodyPr/>
+                    <a:lstStyle/>
+                    <a:p>
+                      <a:r>
+                        <a:rPr lang="en-US" sz="1600" dirty="0" smtClean="0"/>
+                        <a:t>Company</a:t>
+                      </a:r>
+                      <a:endParaRPr lang="en-US" sz="1600" dirty="0"/>
+                    </a:p>
+                  </a:txBody>
+                  <a:tcPr/>
+                </a:tc>
+              </a:tr>
+              <a:tr h="370840">
+                <a:tc>
+                  <a:txBody>
+                    <a:bodyPr/>
+                    <a:lstStyle/>
+                    <a:p>
+                      <a:r>
+                        <a:rPr lang="en-US" sz="1600" dirty="0" smtClean="0"/>
+                        <a:t>Job title</a:t>
+                      </a:r>
+                      <a:endParaRPr lang="en-US" sz="1600" dirty="0"/>
+                    </a:p>
+                  </a:txBody>
+                  <a:tcPr/>
+                </a:tc>
+              </a:tr>
+              <a:tr h="370840">
+                <a:tc>
+                  <a:txBody>
+                    <a:bodyPr/>
+                    <a:lstStyle/>
+                    <a:p>
+                      <a:r>
+                        <a:rPr lang="en-US" sz="1600" dirty="0" smtClean="0"/>
+                        <a:t>Current work there?</a:t>
+                      </a:r>
+                      <a:endParaRPr lang="en-US" sz="1600" dirty="0"/>
+                    </a:p>
+                  </a:txBody>
+                  <a:tcPr/>
+                </a:tc>
+              </a:tr>
+              <a:tr h="370840">
+                <a:tc>
+                  <a:txBody>
+                    <a:bodyPr/>
+                    <a:lstStyle/>
+                    <a:p>
+                      <a:r>
+                        <a:rPr lang="en-US" sz="1600" dirty="0" smtClean="0"/>
+                        <a:t>Period (From… To…)</a:t>
+                      </a:r>
+                      <a:endParaRPr lang="en-US" sz="1600" dirty="0"/>
+                    </a:p>
+                  </a:txBody>
+                  <a:tcPr/>
+                </a:tc>
+              </a:tr>
+              <a:tr h="370840">
+                <a:tc>
+                  <a:txBody>
+                    <a:bodyPr/>
+                    <a:lstStyle/>
+                    <a:p>
+                      <a:r>
+                        <a:rPr lang="en-US" sz="1600" dirty="0" smtClean="0"/>
+                        <a:t>Job level</a:t>
+                      </a:r>
+                      <a:endParaRPr lang="en-US" sz="1600" dirty="0"/>
+                    </a:p>
+                  </a:txBody>
+                  <a:tcPr/>
+                </a:tc>
+              </a:tr>
+              <a:tr h="370840">
+                <a:tc>
+                  <a:txBody>
+                    <a:bodyPr/>
+                    <a:lstStyle/>
+                    <a:p>
+                      <a:r>
+                        <a:rPr lang="en-US" sz="1600" dirty="0" smtClean="0"/>
+                        <a:t>Job description</a:t>
+                      </a:r>
+                      <a:endParaRPr lang="en-US" sz="1600" dirty="0"/>
+                    </a:p>
+                  </a:txBody>
+                  <a:tcPr/>
+                </a:tc>
+              </a:tr>
+              <a:tr h="370840">
+                <a:tc>
+                  <a:txBody>
+                    <a:bodyPr/>
+                    <a:lstStyle/>
+                    <a:p>
+                      <a:pPr marL="0" marR="0" indent="0" algn="l" defTabSz="914400" rtl="0" eaLnBrk="1" fontAlgn="auto" latinLnBrk="0" hangingPunct="1">
+                        <a:lnSpc>
+                          <a:spcPct val="100000"/>
+                        </a:lnSpc>
+                        <a:spcBef>
+                          <a:spcPts val="0"/>
+                        </a:spcBef>
+                        <a:spcAft>
+                          <a:spcPts val="0"/>
+                        </a:spcAft>
+                        <a:buClrTx/>
+                        <a:buSzTx/>
+                        <a:buFontTx/>
+                        <a:buNone/>
+                        <a:tabLst/>
+                        <a:defRPr/>
+                      </a:pPr>
+                      <a:r>
+                        <a:rPr lang="en-US" sz="1600" dirty="0" smtClean="0"/>
+                        <a:t>Experiences</a:t>
+                      </a:r>
+                      <a:endParaRPr lang="en-US" sz="1600" dirty="0"/>
+                    </a:p>
+                  </a:txBody>
+                  <a:tcPr/>
+                </a:tc>
+              </a:tr>
+            </a:tbl>
+          </a:graphicData>
+        </a:graphic>
+      </p:graphicFrame>
     </p:spTree>
     <p:extLst>
       <p:ext uri="{BB962C8B-B14F-4D97-AF65-F5344CB8AC3E}">
@@ -5534,7 +6371,7 @@
           <a:p>
             <a:r>
               <a:rPr lang="en-US" dirty="0" smtClean="0"/>
-              <a:t>Education </a:t>
+              <a:t>Education &amp; Knowledge </a:t>
             </a:r>
             <a:r>
               <a:rPr lang="en-US" dirty="0" smtClean="0">
@@ -5554,12 +6391,12 @@
       </p:sp>
       <p:sp>
         <p:nvSpPr>
-          <p:cNvPr id="3" name="Content Placeholder 2"/>
-          <p:cNvSpPr>
-            <a:spLocks noGrp="1"/>
-          </p:cNvSpPr>
-          <p:nvPr>
-            <p:ph idx="1"/>
+          <p:cNvPr id="5" name="Content Placeholder 4"/>
+          <p:cNvSpPr>
+            <a:spLocks noGrp="1"/>
+          </p:cNvSpPr>
+          <p:nvPr>
+            <p:ph sz="half" idx="2"/>
           </p:nvPr>
         </p:nvSpPr>
         <p:spPr/>
@@ -5567,10 +6404,203 @@
           <a:bodyPr/>
           <a:lstStyle/>
           <a:p>
-            <a:endParaRPr lang="en-US" dirty="0"/>
-          </a:p>
-        </p:txBody>
-      </p:sp>
+            <a:endParaRPr lang="en-US"/>
+          </a:p>
+        </p:txBody>
+      </p:sp>
+      <p:graphicFrame>
+        <p:nvGraphicFramePr>
+          <p:cNvPr id="6" name="Content Placeholder 3"/>
+          <p:cNvGraphicFramePr>
+            <a:graphicFrameLocks noGrp="1"/>
+          </p:cNvGraphicFramePr>
+          <p:nvPr>
+            <p:ph sz="half" idx="1"/>
+            <p:extLst>
+              <p:ext uri="{D42A27DB-BD31-4B8C-83A1-F6EECF244321}">
+                <p14:modId xmlns:p14="http://schemas.microsoft.com/office/powerpoint/2010/main" val="720277286"/>
+              </p:ext>
+            </p:extLst>
+          </p:nvPr>
+        </p:nvGraphicFramePr>
+        <p:xfrm>
+          <a:off x="457200" y="1673225"/>
+          <a:ext cx="2216468" cy="3175000"/>
+        </p:xfrm>
+        <a:graphic>
+          <a:graphicData uri="http://schemas.openxmlformats.org/drawingml/2006/table">
+            <a:tbl>
+              <a:tblPr firstRow="1" bandRow="1">
+                <a:tableStyleId>{B301B821-A1FF-4177-AEE7-76D212191A09}</a:tableStyleId>
+              </a:tblPr>
+              <a:tblGrid>
+                <a:gridCol w="2216468"/>
+              </a:tblGrid>
+              <a:tr h="370840">
+                <a:tc>
+                  <a:txBody>
+                    <a:bodyPr/>
+                    <a:lstStyle/>
+                    <a:p>
+                      <a:r>
+                        <a:rPr lang="en-US" sz="1600" dirty="0" smtClean="0"/>
+                        <a:t>Education &amp; Knowledge</a:t>
+                      </a:r>
+                      <a:endParaRPr lang="en-US" sz="1600" dirty="0"/>
+                    </a:p>
+                  </a:txBody>
+                  <a:tcPr/>
+                </a:tc>
+              </a:tr>
+              <a:tr h="370840">
+                <a:tc>
+                  <a:txBody>
+                    <a:bodyPr/>
+                    <a:lstStyle/>
+                    <a:p>
+                      <a:r>
+                        <a:rPr lang="en-US" sz="1600" dirty="0" smtClean="0"/>
+                        <a:t>Country</a:t>
+                      </a:r>
+                      <a:endParaRPr lang="en-US" sz="1600" dirty="0"/>
+                    </a:p>
+                  </a:txBody>
+                  <a:tcPr/>
+                </a:tc>
+              </a:tr>
+              <a:tr h="370840">
+                <a:tc>
+                  <a:txBody>
+                    <a:bodyPr/>
+                    <a:lstStyle/>
+                    <a:p>
+                      <a:r>
+                        <a:rPr lang="en-US" sz="1600" dirty="0" smtClean="0"/>
+                        <a:t>School</a:t>
+                      </a:r>
+                      <a:r>
+                        <a:rPr lang="en-US" sz="1600" baseline="0" dirty="0" smtClean="0"/>
+                        <a:t> / Institute</a:t>
+                      </a:r>
+                      <a:endParaRPr lang="en-US" sz="1600" dirty="0"/>
+                    </a:p>
+                  </a:txBody>
+                  <a:tcPr/>
+                </a:tc>
+              </a:tr>
+              <a:tr h="370840">
+                <a:tc>
+                  <a:txBody>
+                    <a:bodyPr/>
+                    <a:lstStyle/>
+                    <a:p>
+                      <a:r>
+                        <a:rPr lang="en-US" sz="1600" dirty="0" smtClean="0"/>
+                        <a:t>Degrees</a:t>
+                      </a:r>
+                      <a:endParaRPr lang="en-US" sz="1600" dirty="0"/>
+                    </a:p>
+                  </a:txBody>
+                  <a:tcPr/>
+                </a:tc>
+              </a:tr>
+              <a:tr h="370840">
+                <a:tc>
+                  <a:txBody>
+                    <a:bodyPr/>
+                    <a:lstStyle/>
+                    <a:p>
+                      <a:r>
+                        <a:rPr lang="en-US" sz="1600" smtClean="0"/>
+                        <a:t>Majors</a:t>
+                      </a:r>
+                      <a:endParaRPr lang="en-US" sz="1600" dirty="0"/>
+                    </a:p>
+                  </a:txBody>
+                  <a:tcPr/>
+                </a:tc>
+              </a:tr>
+              <a:tr h="370840">
+                <a:tc>
+                  <a:txBody>
+                    <a:bodyPr/>
+                    <a:lstStyle/>
+                    <a:p>
+                      <a:r>
+                        <a:rPr lang="en-US" sz="1600" dirty="0" smtClean="0"/>
+                        <a:t>Year (From… To…)</a:t>
+                      </a:r>
+                      <a:endParaRPr lang="en-US" sz="1600" dirty="0"/>
+                    </a:p>
+                  </a:txBody>
+                  <a:tcPr/>
+                </a:tc>
+              </a:tr>
+              <a:tr h="370840">
+                <a:tc>
+                  <a:txBody>
+                    <a:bodyPr/>
+                    <a:lstStyle/>
+                    <a:p>
+                      <a:r>
+                        <a:rPr lang="en-US" sz="1600" dirty="0" smtClean="0">
+                          <a:solidFill>
+                            <a:srgbClr val="FF0000"/>
+                          </a:solidFill>
+                        </a:rPr>
+                        <a:t>Languages</a:t>
+                      </a:r>
+                      <a:endParaRPr lang="en-US" sz="1600" dirty="0">
+                        <a:solidFill>
+                          <a:srgbClr val="FF0000"/>
+                        </a:solidFill>
+                      </a:endParaRPr>
+                    </a:p>
+                  </a:txBody>
+                  <a:tcPr/>
+                </a:tc>
+              </a:tr>
+              <a:tr h="370840">
+                <a:tc>
+                  <a:txBody>
+                    <a:bodyPr/>
+                    <a:lstStyle/>
+                    <a:p>
+                      <a:pPr marL="0" marR="0" indent="0" algn="l" defTabSz="914400" rtl="0" eaLnBrk="1" fontAlgn="auto" latinLnBrk="0" hangingPunct="1">
+                        <a:lnSpc>
+                          <a:spcPct val="100000"/>
+                        </a:lnSpc>
+                        <a:spcBef>
+                          <a:spcPts val="0"/>
+                        </a:spcBef>
+                        <a:spcAft>
+                          <a:spcPts val="0"/>
+                        </a:spcAft>
+                        <a:buClrTx/>
+                        <a:buSzTx/>
+                        <a:buFontTx/>
+                        <a:buNone/>
+                        <a:tabLst/>
+                        <a:defRPr/>
+                      </a:pPr>
+                      <a:r>
+                        <a:rPr lang="en-US" sz="1600" dirty="0" smtClean="0"/>
+                        <a:t>Experiences</a:t>
+                      </a:r>
+                      <a:endParaRPr lang="en-US" sz="1600" dirty="0">
+                        <a:solidFill>
+                          <a:srgbClr val="FF0000"/>
+                        </a:solidFill>
+                      </a:endParaRPr>
+                    </a:p>
+                  </a:txBody>
+                  <a:tcPr/>
+                </a:tc>
+              </a:tr>
+            </a:tbl>
+          </a:graphicData>
+        </a:graphic>
+      </p:graphicFrame>
     </p:spTree>
     <p:extLst>
       <p:ext uri="{BB962C8B-B14F-4D97-AF65-F5344CB8AC3E}">
@@ -5625,7 +6655,7 @@
           <a:p>
             <a:r>
               <a:rPr lang="en-US" dirty="0" smtClean="0"/>
-              <a:t>Training </a:t>
+              <a:t>Experiences </a:t>
             </a:r>
             <a:r>
               <a:rPr lang="en-US" dirty="0" smtClean="0">
@@ -5645,12 +6675,12 @@
       </p:sp>
       <p:sp>
         <p:nvSpPr>
-          <p:cNvPr id="3" name="Content Placeholder 2"/>
-          <p:cNvSpPr>
-            <a:spLocks noGrp="1"/>
-          </p:cNvSpPr>
-          <p:nvPr>
-            <p:ph idx="1"/>
+          <p:cNvPr id="5" name="Content Placeholder 4"/>
+          <p:cNvSpPr>
+            <a:spLocks noGrp="1"/>
+          </p:cNvSpPr>
+          <p:nvPr>
+            <p:ph sz="half" idx="2"/>
           </p:nvPr>
         </p:nvSpPr>
         <p:spPr/>
@@ -5662,10 +6692,149 @@
           </a:p>
         </p:txBody>
       </p:sp>
+      <p:graphicFrame>
+        <p:nvGraphicFramePr>
+          <p:cNvPr id="8" name="Content Placeholder 3"/>
+          <p:cNvGraphicFramePr>
+            <a:graphicFrameLocks noGrp="1"/>
+          </p:cNvGraphicFramePr>
+          <p:nvPr>
+            <p:ph sz="half" idx="1"/>
+            <p:extLst>
+              <p:ext uri="{D42A27DB-BD31-4B8C-83A1-F6EECF244321}">
+                <p14:modId xmlns:p14="http://schemas.microsoft.com/office/powerpoint/2010/main" val="135541397"/>
+              </p:ext>
+            </p:extLst>
+          </p:nvPr>
+        </p:nvGraphicFramePr>
+        <p:xfrm>
+          <a:off x="457200" y="1673225"/>
+          <a:ext cx="2216468" cy="1818640"/>
+        </p:xfrm>
+        <a:graphic>
+          <a:graphicData uri="http://schemas.openxmlformats.org/drawingml/2006/table">
+            <a:tbl>
+              <a:tblPr firstRow="1" bandRow="1">
+                <a:tableStyleId>{B301B821-A1FF-4177-AEE7-76D212191A09}</a:tableStyleId>
+              </a:tblPr>
+              <a:tblGrid>
+                <a:gridCol w="2216468"/>
+              </a:tblGrid>
+              <a:tr h="294640">
+                <a:tc>
+                  <a:txBody>
+                    <a:bodyPr/>
+                    <a:lstStyle/>
+                    <a:p>
+                      <a:r>
+                        <a:rPr lang="en-US" sz="1600" dirty="0" smtClean="0"/>
+                        <a:t>Experiences</a:t>
+                      </a:r>
+                      <a:endParaRPr lang="en-US" sz="1600" dirty="0"/>
+                    </a:p>
+                  </a:txBody>
+                  <a:tcPr/>
+                </a:tc>
+              </a:tr>
+              <a:tr h="370840">
+                <a:tc>
+                  <a:txBody>
+                    <a:bodyPr/>
+                    <a:lstStyle/>
+                    <a:p>
+                      <a:r>
+                        <a:rPr lang="en-US" sz="1600" dirty="0" smtClean="0">
+                          <a:solidFill>
+                            <a:srgbClr val="FF0000"/>
+                          </a:solidFill>
+                        </a:rPr>
+                        <a:t>Projects</a:t>
+                      </a:r>
+                      <a:endParaRPr lang="en-US" sz="1600" dirty="0">
+                        <a:solidFill>
+                          <a:srgbClr val="FF0000"/>
+                        </a:solidFill>
+                      </a:endParaRPr>
+                    </a:p>
+                  </a:txBody>
+                  <a:tcPr/>
+                </a:tc>
+              </a:tr>
+              <a:tr h="370840">
+                <a:tc>
+                  <a:txBody>
+                    <a:bodyPr/>
+                    <a:lstStyle/>
+                    <a:p>
+                      <a:r>
+                        <a:rPr lang="en-US" sz="1600" dirty="0" smtClean="0">
+                          <a:solidFill>
+                            <a:srgbClr val="FF0000"/>
+                          </a:solidFill>
+                        </a:rPr>
+                        <a:t>Trainings (Courses)</a:t>
+                      </a:r>
+                    </a:p>
+                  </a:txBody>
+                  <a:tcPr/>
+                </a:tc>
+              </a:tr>
+              <a:tr h="370840">
+                <a:tc>
+                  <a:txBody>
+                    <a:bodyPr/>
+                    <a:lstStyle/>
+                    <a:p>
+                      <a:r>
+                        <a:rPr lang="en-US" sz="1600" dirty="0" smtClean="0">
+                          <a:solidFill>
+                            <a:srgbClr val="FF0000"/>
+                          </a:solidFill>
+                        </a:rPr>
+                        <a:t>Activities</a:t>
+                      </a:r>
+                      <a:endParaRPr lang="en-US" sz="1600" dirty="0">
+                        <a:solidFill>
+                          <a:srgbClr val="FF0000"/>
+                        </a:solidFill>
+                      </a:endParaRPr>
+                    </a:p>
+                  </a:txBody>
+                  <a:tcPr/>
+                </a:tc>
+              </a:tr>
+              <a:tr h="370840">
+                <a:tc>
+                  <a:txBody>
+                    <a:bodyPr/>
+                    <a:lstStyle/>
+                    <a:p>
+                      <a:r>
+                        <a:rPr lang="en-US" sz="1600" dirty="0" smtClean="0">
+                          <a:solidFill>
+                            <a:srgbClr val="0070C0"/>
+                          </a:solidFill>
+                        </a:rPr>
+                        <a:t>Others</a:t>
+                      </a:r>
+                      <a:endParaRPr lang="en-US" sz="1600" dirty="0">
+                        <a:solidFill>
+                          <a:srgbClr val="0070C0"/>
+                        </a:solidFill>
+                      </a:endParaRPr>
+                    </a:p>
+                  </a:txBody>
+                  <a:tcPr/>
+                </a:tc>
+              </a:tr>
+            </a:tbl>
+          </a:graphicData>
+        </a:graphic>
+      </p:graphicFrame>
     </p:spTree>
     <p:extLst>
       <p:ext uri="{BB962C8B-B14F-4D97-AF65-F5344CB8AC3E}">
-        <p14:creationId xmlns:p14="http://schemas.microsoft.com/office/powerpoint/2010/main" val="3945705611"/>
+        <p14:creationId xmlns:p14="http://schemas.microsoft.com/office/powerpoint/2010/main" val="2702921800"/>
       </p:ext>
     </p:extLst>
   </p:cSld>
